--- a/Otomatik Kontrol I/Ders Notları-2020/OtomatikKontrol_I_FormülKağıdı_2021.pptx
+++ b/Otomatik Kontrol I/Ders Notları-2020/OtomatikKontrol_I_FormülKağıdı_2021.pptx
@@ -251,7 +251,7 @@
           <a:p>
             <a:fld id="{B2276EF0-FFEA-43AE-B669-C1DBF4A2F639}" type="datetimeFigureOut">
               <a:rPr lang="tr-TR" smtClean="0"/>
-              <a:t>28.03.2022</a:t>
+              <a:t>23.07.2022</a:t>
             </a:fld>
             <a:endParaRPr lang="tr-TR"/>
           </a:p>
@@ -421,7 +421,7 @@
           <a:p>
             <a:fld id="{B2276EF0-FFEA-43AE-B669-C1DBF4A2F639}" type="datetimeFigureOut">
               <a:rPr lang="tr-TR" smtClean="0"/>
-              <a:t>28.03.2022</a:t>
+              <a:t>23.07.2022</a:t>
             </a:fld>
             <a:endParaRPr lang="tr-TR"/>
           </a:p>
@@ -601,7 +601,7 @@
           <a:p>
             <a:fld id="{B2276EF0-FFEA-43AE-B669-C1DBF4A2F639}" type="datetimeFigureOut">
               <a:rPr lang="tr-TR" smtClean="0"/>
-              <a:t>28.03.2022</a:t>
+              <a:t>23.07.2022</a:t>
             </a:fld>
             <a:endParaRPr lang="tr-TR"/>
           </a:p>
@@ -771,7 +771,7 @@
           <a:p>
             <a:fld id="{B2276EF0-FFEA-43AE-B669-C1DBF4A2F639}" type="datetimeFigureOut">
               <a:rPr lang="tr-TR" smtClean="0"/>
-              <a:t>28.03.2022</a:t>
+              <a:t>23.07.2022</a:t>
             </a:fld>
             <a:endParaRPr lang="tr-TR"/>
           </a:p>
@@ -1015,7 +1015,7 @@
           <a:p>
             <a:fld id="{B2276EF0-FFEA-43AE-B669-C1DBF4A2F639}" type="datetimeFigureOut">
               <a:rPr lang="tr-TR" smtClean="0"/>
-              <a:t>28.03.2022</a:t>
+              <a:t>23.07.2022</a:t>
             </a:fld>
             <a:endParaRPr lang="tr-TR"/>
           </a:p>
@@ -1247,7 +1247,7 @@
           <a:p>
             <a:fld id="{B2276EF0-FFEA-43AE-B669-C1DBF4A2F639}" type="datetimeFigureOut">
               <a:rPr lang="tr-TR" smtClean="0"/>
-              <a:t>28.03.2022</a:t>
+              <a:t>23.07.2022</a:t>
             </a:fld>
             <a:endParaRPr lang="tr-TR"/>
           </a:p>
@@ -1614,7 +1614,7 @@
           <a:p>
             <a:fld id="{B2276EF0-FFEA-43AE-B669-C1DBF4A2F639}" type="datetimeFigureOut">
               <a:rPr lang="tr-TR" smtClean="0"/>
-              <a:t>28.03.2022</a:t>
+              <a:t>23.07.2022</a:t>
             </a:fld>
             <a:endParaRPr lang="tr-TR"/>
           </a:p>
@@ -1732,7 +1732,7 @@
           <a:p>
             <a:fld id="{B2276EF0-FFEA-43AE-B669-C1DBF4A2F639}" type="datetimeFigureOut">
               <a:rPr lang="tr-TR" smtClean="0"/>
-              <a:t>28.03.2022</a:t>
+              <a:t>23.07.2022</a:t>
             </a:fld>
             <a:endParaRPr lang="tr-TR"/>
           </a:p>
@@ -1827,7 +1827,7 @@
           <a:p>
             <a:fld id="{B2276EF0-FFEA-43AE-B669-C1DBF4A2F639}" type="datetimeFigureOut">
               <a:rPr lang="tr-TR" smtClean="0"/>
-              <a:t>28.03.2022</a:t>
+              <a:t>23.07.2022</a:t>
             </a:fld>
             <a:endParaRPr lang="tr-TR"/>
           </a:p>
@@ -2104,7 +2104,7 @@
           <a:p>
             <a:fld id="{B2276EF0-FFEA-43AE-B669-C1DBF4A2F639}" type="datetimeFigureOut">
               <a:rPr lang="tr-TR" smtClean="0"/>
-              <a:t>28.03.2022</a:t>
+              <a:t>23.07.2022</a:t>
             </a:fld>
             <a:endParaRPr lang="tr-TR"/>
           </a:p>
@@ -2361,7 +2361,7 @@
           <a:p>
             <a:fld id="{B2276EF0-FFEA-43AE-B669-C1DBF4A2F639}" type="datetimeFigureOut">
               <a:rPr lang="tr-TR" smtClean="0"/>
-              <a:t>28.03.2022</a:t>
+              <a:t>23.07.2022</a:t>
             </a:fld>
             <a:endParaRPr lang="tr-TR"/>
           </a:p>
@@ -2574,7 +2574,7 @@
           <a:p>
             <a:fld id="{B2276EF0-FFEA-43AE-B669-C1DBF4A2F639}" type="datetimeFigureOut">
               <a:rPr lang="tr-TR" smtClean="0"/>
-              <a:t>28.03.2022</a:t>
+              <a:t>23.07.2022</a:t>
             </a:fld>
             <a:endParaRPr lang="tr-TR"/>
           </a:p>
